--- a/_PowerPoints/2nd Semester/Unit 6 Probability and Stats/Algebra4_Day_053 11.1 Permutation and Combination.pptx
+++ b/_PowerPoints/2nd Semester/Unit 6 Probability and Stats/Algebra4_Day_053 11.1 Permutation and Combination.pptx
@@ -5,7 +5,7 @@
     <p:sldMasterId id="2147483648" r:id="rId1"/>
   </p:sldMasterIdLst>
   <p:handoutMasterIdLst>
-    <p:handoutMasterId r:id="rId25"/>
+    <p:handoutMasterId r:id="rId26"/>
   </p:handoutMasterIdLst>
   <p:sldIdLst>
     <p:sldId id="263" r:id="rId2"/>
@@ -27,10 +27,11 @@
     <p:sldId id="279" r:id="rId18"/>
     <p:sldId id="280" r:id="rId19"/>
     <p:sldId id="281" r:id="rId20"/>
-    <p:sldId id="282" r:id="rId21"/>
-    <p:sldId id="283" r:id="rId22"/>
-    <p:sldId id="284" r:id="rId23"/>
-    <p:sldId id="285" r:id="rId24"/>
+    <p:sldId id="286" r:id="rId21"/>
+    <p:sldId id="282" r:id="rId22"/>
+    <p:sldId id="283" r:id="rId23"/>
+    <p:sldId id="284" r:id="rId24"/>
+    <p:sldId id="285" r:id="rId25"/>
   </p:sldIdLst>
   <p:sldSz cx="12192000" cy="6858000"/>
   <p:notesSz cx="9296400" cy="7010400"/>
@@ -219,7 +220,7 @@
           <a:p>
             <a:fld id="{FAC4242D-6570-4D26-878C-5DE8AD62D39F}" type="datetimeFigureOut">
               <a:rPr lang="en-US" smtClean="0"/>
-              <a:t>2/13/2018</a:t>
+              <a:t>2/14/2018</a:t>
             </a:fld>
             <a:endParaRPr lang="en-US"/>
           </a:p>
@@ -472,7 +473,7 @@
             <a:fld id="{87DE6118-2437-4B30-8E3C-4D2BE6020583}" type="datetimeFigureOut">
               <a:rPr lang="en-US" dirty="0"/>
               <a:pPr/>
-              <a:t>2/13/2018</a:t>
+              <a:t>2/14/2018</a:t>
             </a:fld>
             <a:endParaRPr lang="en-US" dirty="0"/>
           </a:p>
@@ -798,7 +799,7 @@
           <a:p>
             <a:fld id="{87DE6118-2437-4B30-8E3C-4D2BE6020583}" type="datetimeFigureOut">
               <a:rPr lang="en-US" dirty="0"/>
-              <a:t>2/13/2018</a:t>
+              <a:t>2/14/2018</a:t>
             </a:fld>
             <a:endParaRPr lang="en-US" dirty="0"/>
           </a:p>
@@ -973,7 +974,7 @@
           <a:p>
             <a:fld id="{87DE6118-2437-4B30-8E3C-4D2BE6020583}" type="datetimeFigureOut">
               <a:rPr lang="en-US" dirty="0"/>
-              <a:t>2/13/2018</a:t>
+              <a:t>2/14/2018</a:t>
             </a:fld>
             <a:endParaRPr lang="en-US" dirty="0"/>
           </a:p>
@@ -1138,7 +1139,7 @@
           <a:p>
             <a:fld id="{87DE6118-2437-4B30-8E3C-4D2BE6020583}" type="datetimeFigureOut">
               <a:rPr lang="en-US" dirty="0"/>
-              <a:t>2/13/2018</a:t>
+              <a:t>2/14/2018</a:t>
             </a:fld>
             <a:endParaRPr lang="en-US" dirty="0"/>
           </a:p>
@@ -1411,7 +1412,7 @@
             <a:fld id="{87DE6118-2437-4B30-8E3C-4D2BE6020583}" type="datetimeFigureOut">
               <a:rPr lang="en-US" dirty="0"/>
               <a:pPr/>
-              <a:t>2/13/2018</a:t>
+              <a:t>2/14/2018</a:t>
             </a:fld>
             <a:endParaRPr lang="en-US" dirty="0"/>
           </a:p>
@@ -1801,7 +1802,7 @@
           <a:p>
             <a:fld id="{87DE6118-2437-4B30-8E3C-4D2BE6020583}" type="datetimeFigureOut">
               <a:rPr lang="en-US" dirty="0"/>
-              <a:t>2/13/2018</a:t>
+              <a:t>2/14/2018</a:t>
             </a:fld>
             <a:endParaRPr lang="en-US" dirty="0"/>
           </a:p>
@@ -2273,7 +2274,7 @@
           <a:p>
             <a:fld id="{87DE6118-2437-4B30-8E3C-4D2BE6020583}" type="datetimeFigureOut">
               <a:rPr lang="en-US" dirty="0"/>
-              <a:t>2/13/2018</a:t>
+              <a:t>2/14/2018</a:t>
             </a:fld>
             <a:endParaRPr lang="en-US" dirty="0"/>
           </a:p>
@@ -2386,7 +2387,7 @@
           <a:p>
             <a:fld id="{87DE6118-2437-4B30-8E3C-4D2BE6020583}" type="datetimeFigureOut">
               <a:rPr lang="en-US" dirty="0"/>
-              <a:t>2/13/2018</a:t>
+              <a:t>2/14/2018</a:t>
             </a:fld>
             <a:endParaRPr lang="en-US" dirty="0"/>
           </a:p>
@@ -2476,7 +2477,7 @@
           <a:p>
             <a:fld id="{87DE6118-2437-4B30-8E3C-4D2BE6020583}" type="datetimeFigureOut">
               <a:rPr lang="en-US" dirty="0"/>
-              <a:t>2/13/2018</a:t>
+              <a:t>2/14/2018</a:t>
             </a:fld>
             <a:endParaRPr lang="en-US" dirty="0"/>
           </a:p>
@@ -2818,7 +2819,7 @@
             <a:fld id="{87DE6118-2437-4B30-8E3C-4D2BE6020583}" type="datetimeFigureOut">
               <a:rPr lang="en-US" dirty="0"/>
               <a:pPr/>
-              <a:t>2/13/2018</a:t>
+              <a:t>2/14/2018</a:t>
             </a:fld>
             <a:endParaRPr lang="en-US" dirty="0"/>
           </a:p>
@@ -3203,7 +3204,7 @@
             <a:fld id="{87DE6118-2437-4B30-8E3C-4D2BE6020583}" type="datetimeFigureOut">
               <a:rPr lang="en-US" dirty="0"/>
               <a:pPr/>
-              <a:t>2/13/2018</a:t>
+              <a:t>2/14/2018</a:t>
             </a:fld>
             <a:endParaRPr lang="en-US" dirty="0"/>
           </a:p>
@@ -3478,7 +3479,7 @@
             <a:fld id="{87DE6118-2437-4B30-8E3C-4D2BE6020583}" type="datetimeFigureOut">
               <a:rPr lang="en-US" dirty="0"/>
               <a:pPr/>
-              <a:t>2/13/2018</a:t>
+              <a:t>2/14/2018</a:t>
             </a:fld>
             <a:endParaRPr lang="en-US" dirty="0"/>
           </a:p>
@@ -4026,11 +4027,7 @@
           <a:p>
             <a:r>
               <a:rPr lang="en-US" dirty="0" smtClean="0"/>
-              <a:t>Day </a:t>
-            </a:r>
-            <a:r>
-              <a:rPr lang="en-US" dirty="0" smtClean="0"/>
-              <a:t>53</a:t>
+              <a:t>Day 53</a:t>
             </a:r>
             <a:endParaRPr lang="en-US" dirty="0"/>
           </a:p>
@@ -4247,6 +4244,13 @@
   <p:clrMapOvr>
     <a:masterClrMapping/>
   </p:clrMapOvr>
+  <p:timing>
+    <p:tnLst>
+      <p:par>
+        <p:cTn id="1" dur="indefinite" restart="never" nodeType="tmRoot"/>
+      </p:par>
+    </p:tnLst>
+  </p:timing>
 </p:sld>
 </file>
 
@@ -4330,8 +4334,8 @@
           </a:p>
         </p:txBody>
       </p:sp>
-      <mc:AlternateContent xmlns:mc="http://schemas.openxmlformats.org/markup-compatibility/2006">
-        <mc:Choice xmlns:a14="http://schemas.microsoft.com/office/drawing/2010/main" Requires="a14">
+      <mc:AlternateContent xmlns:mc="http://schemas.openxmlformats.org/markup-compatibility/2006" xmlns:a14="http://schemas.microsoft.com/office/drawing/2010/main">
+        <mc:Choice Requires="a14">
           <p:sp>
             <p:nvSpPr>
               <p:cNvPr id="3" name="Content Placeholder 2"/>
@@ -4458,7 +4462,7 @@
             </p:txBody>
           </p:sp>
         </mc:Choice>
-        <mc:Fallback>
+        <mc:Fallback xmlns="">
           <p:sp>
             <p:nvSpPr>
               <p:cNvPr id="3" name="Content Placeholder 2"/>
@@ -4502,6 +4506,13 @@
   <p:clrMapOvr>
     <a:masterClrMapping/>
   </p:clrMapOvr>
+  <p:timing>
+    <p:tnLst>
+      <p:par>
+        <p:cTn id="1" dur="indefinite" restart="never" nodeType="tmRoot"/>
+      </p:par>
+    </p:tnLst>
+  </p:timing>
 </p:sld>
 </file>
 
@@ -4552,7 +4563,15 @@
             </a:br>
             <a:r>
               <a:rPr lang="en-US" dirty="0"/>
-              <a:t>(Each different order/combination is a new permutation)</a:t>
+              <a:t>(Each different </a:t>
+            </a:r>
+            <a:r>
+              <a:rPr lang="en-US" dirty="0" smtClean="0"/>
+              <a:t>order is </a:t>
+            </a:r>
+            <a:r>
+              <a:rPr lang="en-US" dirty="0"/>
+              <a:t>a new permutation)</a:t>
             </a:r>
           </a:p>
         </p:txBody>
@@ -4613,6 +4632,13 @@
   <p:clrMapOvr>
     <a:masterClrMapping/>
   </p:clrMapOvr>
+  <p:timing>
+    <p:tnLst>
+      <p:par>
+        <p:cTn id="1" dur="indefinite" restart="never" nodeType="tmRoot"/>
+      </p:par>
+    </p:tnLst>
+  </p:timing>
 </p:sld>
 </file>
 
@@ -4773,6 +4799,13 @@
   <p:clrMapOvr>
     <a:masterClrMapping/>
   </p:clrMapOvr>
+  <p:timing>
+    <p:tnLst>
+      <p:par>
+        <p:cTn id="1" dur="indefinite" restart="never" nodeType="tmRoot"/>
+      </p:par>
+    </p:tnLst>
+  </p:timing>
 </p:sld>
 </file>
 
@@ -4934,20 +4967,20 @@
           <p:nvPr>
             <p:extLst>
               <p:ext uri="{D42A27DB-BD31-4B8C-83A1-F6EECF244321}">
-                <p14:modId xmlns:p14="http://schemas.microsoft.com/office/powerpoint/2010/main" val="3362400144"/>
+                <p14:modId xmlns:p14="http://schemas.microsoft.com/office/powerpoint/2010/main" val="3384404781"/>
               </p:ext>
             </p:extLst>
           </p:nvPr>
         </p:nvGraphicFramePr>
         <p:xfrm>
-          <a:off x="3383280" y="3108960"/>
+          <a:off x="3447449" y="2873893"/>
           <a:ext cx="4953000" cy="2384778"/>
         </p:xfrm>
         <a:graphic>
           <a:graphicData uri="http://schemas.openxmlformats.org/presentationml/2006/ole">
             <mc:AlternateContent xmlns:mc="http://schemas.openxmlformats.org/markup-compatibility/2006">
               <mc:Choice xmlns:v="urn:schemas-microsoft-com:vml" Requires="v">
-                <p:oleObj spid="_x0000_s1028" r:id="rId3" imgW="889000" imgH="431800" progId="Equation.3">
+                <p:oleObj spid="_x0000_s1031" r:id="rId3" imgW="889000" imgH="431800" progId="Equation.3">
                   <p:embed/>
                 </p:oleObj>
               </mc:Choice>
@@ -4977,7 +5010,7 @@
                     </p:blipFill>
                     <p:spPr bwMode="auto">
                       <a:xfrm>
-                        <a:off x="3383280" y="3108960"/>
+                        <a:off x="3447449" y="2873893"/>
                         <a:ext cx="4953000" cy="2384778"/>
                       </a:xfrm>
                       <a:prstGeom prst="rect">
@@ -4992,6 +5025,36 @@
           </a:graphicData>
         </a:graphic>
       </p:graphicFrame>
+      <p:sp>
+        <p:nvSpPr>
+          <p:cNvPr id="3" name="TextBox 2"/>
+          <p:cNvSpPr txBox="1"/>
+          <p:nvPr/>
+        </p:nvSpPr>
+        <p:spPr>
+          <a:xfrm>
+            <a:off x="2661327" y="5780782"/>
+            <a:ext cx="8747818" cy="1077218"/>
+          </a:xfrm>
+          <a:prstGeom prst="rect">
+            <a:avLst/>
+          </a:prstGeom>
+          <a:noFill/>
+        </p:spPr>
+        <p:txBody>
+          <a:bodyPr wrap="square" rtlCol="0">
+            <a:spAutoFit/>
+          </a:bodyPr>
+          <a:lstStyle/>
+          <a:p>
+            <a:r>
+              <a:rPr lang="en-US" sz="3200" dirty="0" smtClean="0"/>
+              <a:t>Note: n is the total number of objects, and r is the number of objects selected from the total</a:t>
+            </a:r>
+            <a:endParaRPr lang="en-US" sz="3200" dirty="0"/>
+          </a:p>
+        </p:txBody>
+      </p:sp>
     </p:spTree>
     <p:extLst>
       <p:ext uri="{BB962C8B-B14F-4D97-AF65-F5344CB8AC3E}">
@@ -5002,6 +5065,13 @@
   <p:clrMapOvr>
     <a:masterClrMapping/>
   </p:clrMapOvr>
+  <p:timing>
+    <p:tnLst>
+      <p:par>
+        <p:cTn id="1" dur="indefinite" restart="never" nodeType="tmRoot"/>
+      </p:par>
+    </p:tnLst>
+  </p:timing>
 </p:sld>
 </file>
 
@@ -5063,7 +5133,7 @@
         </p:spPr>
         <p:txBody>
           <a:bodyPr>
-            <a:normAutofit fontScale="92500" lnSpcReduction="10000"/>
+            <a:normAutofit/>
           </a:bodyPr>
           <a:lstStyle/>
           <a:p>
@@ -5120,42 +5190,6 @@
             <a:pPr marL="0" indent="0">
               <a:buNone/>
             </a:pPr>
-            <a:r>
-              <a:rPr lang="en-US" sz="3700" i="1" u="sng" dirty="0"/>
-              <a:t>Example:</a:t>
-            </a:r>
-            <a:r>
-              <a:rPr lang="en-US" sz="3700" i="1" dirty="0"/>
-              <a:t> You are considering 10 different colleges.  Before you decide to apply to the colleges, you want to visit some of them.  In how many ways can you visit,</a:t>
-            </a:r>
-            <a:endParaRPr lang="en-US" sz="3700" dirty="0"/>
-          </a:p>
-          <a:p>
-            <a:endParaRPr lang="en-US" sz="3700" dirty="0"/>
-          </a:p>
-          <a:p>
-            <a:pPr marL="0" indent="0">
-              <a:buNone/>
-            </a:pPr>
-            <a:r>
-              <a:rPr lang="en-US" sz="3700" i="1" dirty="0" smtClean="0"/>
-              <a:t>6 </a:t>
-            </a:r>
-            <a:r>
-              <a:rPr lang="en-US" sz="3700" i="1" dirty="0"/>
-              <a:t>of the colleges?			</a:t>
-            </a:r>
-            <a:r>
-              <a:rPr lang="en-US" sz="3700" i="1" dirty="0" smtClean="0"/>
-              <a:t>4 </a:t>
-            </a:r>
-            <a:r>
-              <a:rPr lang="en-US" sz="3700" i="1" dirty="0"/>
-              <a:t>of the colleges?</a:t>
-            </a:r>
-            <a:endParaRPr lang="en-US" sz="3700" dirty="0"/>
-          </a:p>
-          <a:p>
             <a:endParaRPr lang="en-US" dirty="0"/>
           </a:p>
         </p:txBody>
@@ -5170,6 +5204,13 @@
   <p:clrMapOvr>
     <a:masterClrMapping/>
   </p:clrMapOvr>
+  <p:timing>
+    <p:tnLst>
+      <p:par>
+        <p:cTn id="1" dur="indefinite" restart="never" nodeType="tmRoot"/>
+      </p:par>
+    </p:tnLst>
+  </p:timing>
 </p:sld>
 </file>
 
@@ -5330,7 +5371,7 @@
           <a:graphicData uri="http://schemas.openxmlformats.org/presentationml/2006/ole">
             <mc:AlternateContent xmlns:mc="http://schemas.openxmlformats.org/markup-compatibility/2006">
               <mc:Choice xmlns:v="urn:schemas-microsoft-com:vml" Requires="v">
-                <p:oleObj spid="_x0000_s2052" name="Equation" r:id="rId3" imgW="863622" imgH="432009" progId="Equation.3">
+                <p:oleObj spid="_x0000_s2055" name="Equation" r:id="rId3" imgW="863622" imgH="432009" progId="Equation.3">
                   <p:embed/>
                 </p:oleObj>
               </mc:Choice>
@@ -5385,6 +5426,13 @@
   <p:clrMapOvr>
     <a:masterClrMapping/>
   </p:clrMapOvr>
+  <p:timing>
+    <p:tnLst>
+      <p:par>
+        <p:cTn id="1" dur="indefinite" restart="never" nodeType="tmRoot"/>
+      </p:par>
+    </p:tnLst>
+  </p:timing>
 </p:sld>
 </file>
 
@@ -5487,6 +5535,13 @@
   <p:clrMapOvr>
     <a:masterClrMapping/>
   </p:clrMapOvr>
+  <p:timing>
+    <p:tnLst>
+      <p:par>
+        <p:cTn id="1" dur="indefinite" restart="never" nodeType="tmRoot"/>
+      </p:par>
+    </p:tnLst>
+  </p:timing>
 </p:sld>
 </file>
 
@@ -5686,20 +5741,20 @@
           <p:nvPr>
             <p:extLst>
               <p:ext uri="{D42A27DB-BD31-4B8C-83A1-F6EECF244321}">
-                <p14:modId xmlns:p14="http://schemas.microsoft.com/office/powerpoint/2010/main" val="4237826940"/>
+                <p14:modId xmlns:p14="http://schemas.microsoft.com/office/powerpoint/2010/main" val="2861425365"/>
               </p:ext>
             </p:extLst>
           </p:nvPr>
         </p:nvGraphicFramePr>
         <p:xfrm>
-          <a:off x="3611880" y="4715521"/>
+          <a:off x="3708133" y="4076700"/>
           <a:ext cx="4163060" cy="1696709"/>
         </p:xfrm>
         <a:graphic>
           <a:graphicData uri="http://schemas.openxmlformats.org/presentationml/2006/ole">
             <mc:AlternateContent xmlns:mc="http://schemas.openxmlformats.org/markup-compatibility/2006">
               <mc:Choice xmlns:v="urn:schemas-microsoft-com:vml" Requires="v">
-                <p:oleObj spid="_x0000_s3075" r:id="rId3" imgW="1066800" imgH="431800" progId="Equation.3">
+                <p:oleObj spid="_x0000_s3078" r:id="rId3" imgW="1066800" imgH="431800" progId="Equation.3">
                   <p:embed/>
                 </p:oleObj>
               </mc:Choice>
@@ -5729,7 +5784,7 @@
                     </p:blipFill>
                     <p:spPr bwMode="auto">
                       <a:xfrm>
-                        <a:off x="3611880" y="4715521"/>
+                        <a:off x="3708133" y="4076700"/>
                         <a:ext cx="4163060" cy="1696709"/>
                       </a:xfrm>
                       <a:prstGeom prst="rect">
@@ -5744,6 +5799,36 @@
           </a:graphicData>
         </a:graphic>
       </p:graphicFrame>
+      <p:sp>
+        <p:nvSpPr>
+          <p:cNvPr id="6" name="TextBox 5"/>
+          <p:cNvSpPr txBox="1"/>
+          <p:nvPr/>
+        </p:nvSpPr>
+        <p:spPr>
+          <a:xfrm>
+            <a:off x="2549033" y="5773409"/>
+            <a:ext cx="8747818" cy="1077218"/>
+          </a:xfrm>
+          <a:prstGeom prst="rect">
+            <a:avLst/>
+          </a:prstGeom>
+          <a:noFill/>
+        </p:spPr>
+        <p:txBody>
+          <a:bodyPr wrap="square" rtlCol="0">
+            <a:spAutoFit/>
+          </a:bodyPr>
+          <a:lstStyle/>
+          <a:p>
+            <a:r>
+              <a:rPr lang="en-US" sz="3200" dirty="0" smtClean="0"/>
+              <a:t>Note: n is the total number of objects, and r is the number of objects selected from the total</a:t>
+            </a:r>
+            <a:endParaRPr lang="en-US" sz="3200" dirty="0"/>
+          </a:p>
+        </p:txBody>
+      </p:sp>
     </p:spTree>
     <p:extLst>
       <p:ext uri="{BB962C8B-B14F-4D97-AF65-F5344CB8AC3E}">
@@ -5754,6 +5839,13 @@
   <p:clrMapOvr>
     <a:masterClrMapping/>
   </p:clrMapOvr>
+  <p:timing>
+    <p:tnLst>
+      <p:par>
+        <p:cTn id="1" dur="indefinite" restart="never" nodeType="tmRoot"/>
+      </p:par>
+    </p:tnLst>
+  </p:timing>
 </p:sld>
 </file>
 
@@ -5873,6 +5965,13 @@
   <p:clrMapOvr>
     <a:masterClrMapping/>
   </p:clrMapOvr>
+  <p:timing>
+    <p:tnLst>
+      <p:par>
+        <p:cTn id="1" dur="indefinite" restart="never" nodeType="tmRoot"/>
+      </p:par>
+    </p:tnLst>
+  </p:timing>
 </p:sld>
 </file>
 
@@ -6000,114 +6099,80 @@
         </p:nvSpPr>
         <p:spPr/>
         <p:txBody>
-          <a:bodyPr>
-            <a:normAutofit fontScale="90000"/>
-          </a:bodyPr>
-          <a:lstStyle/>
-          <a:p>
-            <a:r>
-              <a:rPr lang="en-US" b="1" u="sng" dirty="0"/>
-              <a:t>Multiple Events:</a:t>
-            </a:r>
-            <a:r>
-              <a:rPr lang="en-US" dirty="0"/>
-              <a:t/>
-            </a:r>
-            <a:br>
-              <a:rPr lang="en-US" dirty="0"/>
-            </a:br>
-            <a:r>
-              <a:rPr lang="en-US" dirty="0"/>
-              <a:t>Event A </a:t>
-            </a:r>
-            <a:r>
-              <a:rPr lang="en-US" u="sng" dirty="0"/>
-              <a:t>and</a:t>
-            </a:r>
-            <a:r>
-              <a:rPr lang="en-US" dirty="0"/>
-              <a:t> Event B </a:t>
-            </a:r>
-            <a:r>
-              <a:rPr lang="en-US" dirty="0">
-                <a:sym typeface="Symbol" panose="05050102010706020507" pitchFamily="18" charset="2"/>
-              </a:rPr>
-              <a:t></a:t>
-            </a:r>
-            <a:r>
-              <a:rPr lang="en-US" dirty="0"/>
-              <a:t> </a:t>
-            </a:r>
-            <a:r>
-              <a:rPr lang="en-US" u="sng" dirty="0"/>
-              <a:t>Multiply</a:t>
-            </a:r>
-            <a:r>
-              <a:rPr lang="en-US" dirty="0"/>
-              <a:t/>
-            </a:r>
-            <a:br>
-              <a:rPr lang="en-US" dirty="0"/>
-            </a:br>
-            <a:r>
-              <a:rPr lang="en-US" dirty="0"/>
-              <a:t>Event A </a:t>
-            </a:r>
-            <a:r>
-              <a:rPr lang="en-US" u="sng" dirty="0"/>
-              <a:t>or</a:t>
-            </a:r>
-            <a:r>
-              <a:rPr lang="en-US" dirty="0"/>
-              <a:t> Event B </a:t>
-            </a:r>
-            <a:r>
-              <a:rPr lang="en-US" dirty="0">
-                <a:sym typeface="Symbol" panose="05050102010706020507" pitchFamily="18" charset="2"/>
-              </a:rPr>
-              <a:t></a:t>
-            </a:r>
-            <a:r>
-              <a:rPr lang="en-US" dirty="0"/>
-              <a:t> </a:t>
-            </a:r>
-            <a:r>
-              <a:rPr lang="en-US" u="sng" dirty="0"/>
-              <a:t>Add </a:t>
-            </a:r>
-            <a:endParaRPr lang="en-US" dirty="0"/>
-          </a:p>
-        </p:txBody>
-      </p:sp>
-      <p:sp>
-        <p:nvSpPr>
-          <p:cNvPr id="3" name="Content Placeholder 2"/>
-          <p:cNvSpPr>
-            <a:spLocks noGrp="1"/>
-          </p:cNvSpPr>
-          <p:nvPr>
-            <p:ph idx="1"/>
-          </p:nvPr>
-        </p:nvSpPr>
-        <p:spPr/>
-        <p:txBody>
           <a:bodyPr/>
           <a:lstStyle/>
           <a:p>
-            <a:endParaRPr lang="en-US"/>
+            <a:r>
+              <a:rPr lang="en-US" dirty="0" smtClean="0"/>
+              <a:t>Permutation or Combination?</a:t>
+            </a:r>
+            <a:endParaRPr lang="en-US" dirty="0"/>
+          </a:p>
+        </p:txBody>
+      </p:sp>
+      <p:sp>
+        <p:nvSpPr>
+          <p:cNvPr id="3" name="Content Placeholder 2"/>
+          <p:cNvSpPr>
+            <a:spLocks noGrp="1"/>
+          </p:cNvSpPr>
+          <p:nvPr>
+            <p:ph idx="1"/>
+          </p:nvPr>
+        </p:nvSpPr>
+        <p:spPr/>
+        <p:txBody>
+          <a:bodyPr/>
+          <a:lstStyle/>
+          <a:p>
+            <a:pPr marL="0" indent="0">
+              <a:buNone/>
+            </a:pPr>
+            <a:r>
+              <a:rPr lang="en-US" sz="3600" i="1" u="sng" dirty="0"/>
+              <a:t>Example:</a:t>
+            </a:r>
+            <a:r>
+              <a:rPr lang="en-US" sz="3600" i="1" dirty="0"/>
+              <a:t> You are considering 10 different colleges.  Before you decide to apply to the colleges, you want to visit some of them.  In how many ways can you visit,</a:t>
+            </a:r>
+            <a:endParaRPr lang="en-US" sz="3600" dirty="0"/>
+          </a:p>
+          <a:p>
+            <a:endParaRPr lang="en-US" sz="3600" dirty="0"/>
+          </a:p>
+          <a:p>
+            <a:pPr marL="0" indent="0">
+              <a:buNone/>
+            </a:pPr>
+            <a:r>
+              <a:rPr lang="en-US" sz="3600" i="1" dirty="0"/>
+              <a:t>6 of the colleges?			4 of the colleges?</a:t>
+            </a:r>
+            <a:endParaRPr lang="en-US" sz="3600" dirty="0"/>
+          </a:p>
+          <a:p>
+            <a:endParaRPr lang="en-US" dirty="0"/>
           </a:p>
         </p:txBody>
       </p:sp>
     </p:spTree>
     <p:extLst>
       <p:ext uri="{BB962C8B-B14F-4D97-AF65-F5344CB8AC3E}">
-        <p14:creationId xmlns:p14="http://schemas.microsoft.com/office/powerpoint/2010/main" val="3308608191"/>
+        <p14:creationId xmlns:p14="http://schemas.microsoft.com/office/powerpoint/2010/main" val="3787741337"/>
       </p:ext>
     </p:extLst>
   </p:cSld>
   <p:clrMapOvr>
     <a:masterClrMapping/>
   </p:clrMapOvr>
+  <p:timing>
+    <p:tnLst>
+      <p:par>
+        <p:cTn id="1" dur="indefinite" restart="never" nodeType="tmRoot"/>
+      </p:par>
+    </p:tnLst>
+  </p:timing>
 </p:sld>
 </file>
 
@@ -6146,8 +6211,8 @@
           <a:lstStyle/>
           <a:p>
             <a:r>
-              <a:rPr lang="en-US" i="1" u="sng" dirty="0"/>
-              <a:t>Example:</a:t>
+              <a:rPr lang="en-US" b="1" u="sng" dirty="0"/>
+              <a:t>Multiple Events:</a:t>
             </a:r>
             <a:r>
               <a:rPr lang="en-US" dirty="0"/>
@@ -6157,8 +6222,63 @@
               <a:rPr lang="en-US" dirty="0"/>
             </a:br>
             <a:r>
-              <a:rPr lang="en-US" i="1" dirty="0"/>
-              <a:t>A restaurant serves omelets that can be ordered with any of the ingredients shown.</a:t>
+              <a:rPr lang="en-US" dirty="0"/>
+              <a:t>Event A </a:t>
+            </a:r>
+            <a:r>
+              <a:rPr lang="en-US" u="sng" dirty="0"/>
+              <a:t>and</a:t>
+            </a:r>
+            <a:r>
+              <a:rPr lang="en-US" dirty="0"/>
+              <a:t> Event B </a:t>
+            </a:r>
+            <a:r>
+              <a:rPr lang="en-US" dirty="0">
+                <a:sym typeface="Symbol" panose="05050102010706020507" pitchFamily="18" charset="2"/>
+              </a:rPr>
+              <a:t></a:t>
+            </a:r>
+            <a:r>
+              <a:rPr lang="en-US" dirty="0"/>
+              <a:t> </a:t>
+            </a:r>
+            <a:r>
+              <a:rPr lang="en-US" u="sng" dirty="0"/>
+              <a:t>Multiply</a:t>
+            </a:r>
+            <a:r>
+              <a:rPr lang="en-US" dirty="0"/>
+              <a:t/>
+            </a:r>
+            <a:br>
+              <a:rPr lang="en-US" dirty="0"/>
+            </a:br>
+            <a:r>
+              <a:rPr lang="en-US" dirty="0"/>
+              <a:t>Event A </a:t>
+            </a:r>
+            <a:r>
+              <a:rPr lang="en-US" u="sng" dirty="0"/>
+              <a:t>or</a:t>
+            </a:r>
+            <a:r>
+              <a:rPr lang="en-US" dirty="0"/>
+              <a:t> Event B </a:t>
+            </a:r>
+            <a:r>
+              <a:rPr lang="en-US" dirty="0">
+                <a:sym typeface="Symbol" panose="05050102010706020507" pitchFamily="18" charset="2"/>
+              </a:rPr>
+              <a:t></a:t>
+            </a:r>
+            <a:r>
+              <a:rPr lang="en-US" dirty="0"/>
+              <a:t> </a:t>
+            </a:r>
+            <a:r>
+              <a:rPr lang="en-US" u="sng" dirty="0"/>
+              <a:t>Add </a:t>
             </a:r>
             <a:endParaRPr lang="en-US" dirty="0"/>
           </a:p>
@@ -6174,107 +6294,32 @@
             <p:ph idx="1"/>
           </p:nvPr>
         </p:nvSpPr>
-        <p:spPr>
-          <a:xfrm>
-            <a:off x="1371600" y="2286000"/>
-            <a:ext cx="9601200" cy="4572000"/>
-          </a:xfrm>
-        </p:spPr>
-        <p:txBody>
-          <a:bodyPr>
-            <a:normAutofit fontScale="92500" lnSpcReduction="10000"/>
-          </a:bodyPr>
+        <p:spPr/>
+        <p:txBody>
+          <a:bodyPr/>
           <a:lstStyle/>
           <a:p>
-            <a:endParaRPr lang="en-US" sz="3400" i="1" u="sng" dirty="0" smtClean="0"/>
-          </a:p>
-          <a:p>
-            <a:r>
-              <a:rPr lang="en-US" sz="3400" i="1" u="sng" dirty="0" smtClean="0"/>
-              <a:t>Vegetarian</a:t>
-            </a:r>
-            <a:r>
-              <a:rPr lang="en-US" sz="3400" i="1" dirty="0"/>
-              <a:t>				</a:t>
-            </a:r>
-            <a:r>
-              <a:rPr lang="en-US" sz="3400" i="1" u="sng" dirty="0"/>
-              <a:t>Meat</a:t>
-            </a:r>
-            <a:endParaRPr lang="en-US" sz="3400" dirty="0"/>
-          </a:p>
-          <a:p>
-            <a:r>
-              <a:rPr lang="en-US" sz="3400" i="1" dirty="0"/>
-              <a:t>Green Pepper			</a:t>
-            </a:r>
-            <a:r>
-              <a:rPr lang="en-US" sz="3400" i="1" dirty="0" smtClean="0"/>
-              <a:t>	Ham</a:t>
-            </a:r>
-            <a:endParaRPr lang="en-US" sz="3400" dirty="0"/>
-          </a:p>
-          <a:p>
-            <a:r>
-              <a:rPr lang="en-US" sz="3400" i="1" dirty="0"/>
-              <a:t>Red Pepper			</a:t>
-            </a:r>
-            <a:r>
-              <a:rPr lang="en-US" sz="3400" i="1" dirty="0" smtClean="0"/>
-              <a:t>	Bacon</a:t>
-            </a:r>
-            <a:endParaRPr lang="en-US" sz="3400" dirty="0"/>
-          </a:p>
-          <a:p>
-            <a:r>
-              <a:rPr lang="en-US" sz="3400" i="1" dirty="0"/>
-              <a:t>Onion				</a:t>
-            </a:r>
-            <a:r>
-              <a:rPr lang="en-US" sz="3400" i="1" dirty="0" smtClean="0"/>
-              <a:t>	Sausage</a:t>
-            </a:r>
-            <a:endParaRPr lang="en-US" sz="3400" dirty="0"/>
-          </a:p>
-          <a:p>
-            <a:r>
-              <a:rPr lang="en-US" sz="3400" i="1" dirty="0"/>
-              <a:t>Mushroom				Steak</a:t>
-            </a:r>
-            <a:endParaRPr lang="en-US" sz="3400" dirty="0"/>
-          </a:p>
-          <a:p>
-            <a:r>
-              <a:rPr lang="en-US" sz="3400" i="1" dirty="0"/>
-              <a:t>Tomato</a:t>
-            </a:r>
-            <a:endParaRPr lang="en-US" sz="3400" dirty="0"/>
-          </a:p>
-          <a:p>
-            <a:r>
-              <a:rPr lang="en-US" sz="3400" i="1" dirty="0"/>
-              <a:t>Cheese</a:t>
-            </a:r>
-            <a:endParaRPr lang="en-US" sz="3400" dirty="0"/>
-          </a:p>
-          <a:p>
-            <a:pPr marL="0" indent="0">
-              <a:buNone/>
-            </a:pPr>
-            <a:endParaRPr lang="en-US" dirty="0"/>
+            <a:endParaRPr lang="en-US"/>
           </a:p>
         </p:txBody>
       </p:sp>
     </p:spTree>
     <p:extLst>
       <p:ext uri="{BB962C8B-B14F-4D97-AF65-F5344CB8AC3E}">
-        <p14:creationId xmlns:p14="http://schemas.microsoft.com/office/powerpoint/2010/main" val="3931463113"/>
+        <p14:creationId xmlns:p14="http://schemas.microsoft.com/office/powerpoint/2010/main" val="3308608191"/>
       </p:ext>
     </p:extLst>
   </p:cSld>
   <p:clrMapOvr>
     <a:masterClrMapping/>
   </p:clrMapOvr>
+  <p:timing>
+    <p:tnLst>
+      <p:par>
+        <p:cTn id="1" dur="indefinite" restart="never" nodeType="tmRoot"/>
+      </p:par>
+    </p:tnLst>
+  </p:timing>
 </p:sld>
 </file>
 
@@ -6307,58 +6352,148 @@
         </p:nvSpPr>
         <p:spPr/>
         <p:txBody>
-          <a:bodyPr/>
-          <a:lstStyle/>
-          <a:p>
-            <a:endParaRPr lang="en-US"/>
-          </a:p>
-        </p:txBody>
-      </p:sp>
-      <p:sp>
-        <p:nvSpPr>
-          <p:cNvPr id="3" name="Content Placeholder 2"/>
-          <p:cNvSpPr>
-            <a:spLocks noGrp="1"/>
-          </p:cNvSpPr>
-          <p:nvPr>
-            <p:ph idx="1"/>
-          </p:nvPr>
-        </p:nvSpPr>
-        <p:spPr/>
-        <p:txBody>
           <a:bodyPr>
-            <a:noAutofit/>
+            <a:normAutofit fontScale="90000"/>
           </a:bodyPr>
           <a:lstStyle/>
           <a:p>
             <a:r>
-              <a:rPr lang="en-US" sz="3400" dirty="0"/>
-              <a:t>a) Suppose you want exactly 2 vegetarian ingredients and 1 meat ingredient in your omelet.  How many different types of omelets can you order? </a:t>
-            </a:r>
-          </a:p>
-          <a:p>
-            <a:r>
-              <a:rPr lang="en-US" sz="3400" dirty="0"/>
-              <a:t>b) Suppose you can afford at most 3 ingredients in your omelet.  How many different omelets can you order</a:t>
-            </a:r>
-            <a:r>
-              <a:rPr lang="en-US" sz="3400" dirty="0" smtClean="0"/>
-              <a:t>?</a:t>
+              <a:rPr lang="en-US" i="1" u="sng" dirty="0"/>
+              <a:t>Example:</a:t>
+            </a:r>
+            <a:r>
+              <a:rPr lang="en-US" dirty="0"/>
+              <a:t/>
+            </a:r>
+            <a:br>
+              <a:rPr lang="en-US" dirty="0"/>
+            </a:br>
+            <a:r>
+              <a:rPr lang="en-US" i="1" dirty="0"/>
+              <a:t>A restaurant serves omelets that can be ordered with any of the ingredients shown.</a:t>
+            </a:r>
+            <a:endParaRPr lang="en-US" dirty="0"/>
+          </a:p>
+        </p:txBody>
+      </p:sp>
+      <p:sp>
+        <p:nvSpPr>
+          <p:cNvPr id="3" name="Content Placeholder 2"/>
+          <p:cNvSpPr>
+            <a:spLocks noGrp="1"/>
+          </p:cNvSpPr>
+          <p:nvPr>
+            <p:ph idx="1"/>
+          </p:nvPr>
+        </p:nvSpPr>
+        <p:spPr>
+          <a:xfrm>
+            <a:off x="1371600" y="2286000"/>
+            <a:ext cx="9601200" cy="4572000"/>
+          </a:xfrm>
+        </p:spPr>
+        <p:txBody>
+          <a:bodyPr>
+            <a:normAutofit fontScale="92500" lnSpcReduction="10000"/>
+          </a:bodyPr>
+          <a:lstStyle/>
+          <a:p>
+            <a:endParaRPr lang="en-US" sz="3400" i="1" u="sng" dirty="0" smtClean="0"/>
+          </a:p>
+          <a:p>
+            <a:r>
+              <a:rPr lang="en-US" sz="3400" i="1" u="sng" dirty="0" smtClean="0"/>
+              <a:t>Vegetarian</a:t>
+            </a:r>
+            <a:r>
+              <a:rPr lang="en-US" sz="3400" i="1" dirty="0"/>
+              <a:t>				</a:t>
+            </a:r>
+            <a:r>
+              <a:rPr lang="en-US" sz="3400" i="1" u="sng" dirty="0"/>
+              <a:t>Meat</a:t>
             </a:r>
             <a:endParaRPr lang="en-US" sz="3400" dirty="0"/>
+          </a:p>
+          <a:p>
+            <a:r>
+              <a:rPr lang="en-US" sz="3400" i="1" dirty="0"/>
+              <a:t>Green Pepper			</a:t>
+            </a:r>
+            <a:r>
+              <a:rPr lang="en-US" sz="3400" i="1" dirty="0" smtClean="0"/>
+              <a:t>	Ham</a:t>
+            </a:r>
+            <a:endParaRPr lang="en-US" sz="3400" dirty="0"/>
+          </a:p>
+          <a:p>
+            <a:r>
+              <a:rPr lang="en-US" sz="3400" i="1" dirty="0"/>
+              <a:t>Red Pepper			</a:t>
+            </a:r>
+            <a:r>
+              <a:rPr lang="en-US" sz="3400" i="1" dirty="0" smtClean="0"/>
+              <a:t>	Bacon</a:t>
+            </a:r>
+            <a:endParaRPr lang="en-US" sz="3400" dirty="0"/>
+          </a:p>
+          <a:p>
+            <a:r>
+              <a:rPr lang="en-US" sz="3400" i="1" dirty="0"/>
+              <a:t>Onion				</a:t>
+            </a:r>
+            <a:r>
+              <a:rPr lang="en-US" sz="3400" i="1" dirty="0" smtClean="0"/>
+              <a:t>	Sausage</a:t>
+            </a:r>
+            <a:endParaRPr lang="en-US" sz="3400" dirty="0"/>
+          </a:p>
+          <a:p>
+            <a:r>
+              <a:rPr lang="en-US" sz="3400" i="1" dirty="0"/>
+              <a:t>Mushroom				Steak</a:t>
+            </a:r>
+            <a:endParaRPr lang="en-US" sz="3400" dirty="0"/>
+          </a:p>
+          <a:p>
+            <a:r>
+              <a:rPr lang="en-US" sz="3400" i="1" dirty="0"/>
+              <a:t>Tomato</a:t>
+            </a:r>
+            <a:endParaRPr lang="en-US" sz="3400" dirty="0"/>
+          </a:p>
+          <a:p>
+            <a:r>
+              <a:rPr lang="en-US" sz="3400" i="1" dirty="0"/>
+              <a:t>Cheese</a:t>
+            </a:r>
+            <a:endParaRPr lang="en-US" sz="3400" dirty="0"/>
+          </a:p>
+          <a:p>
+            <a:pPr marL="0" indent="0">
+              <a:buNone/>
+            </a:pPr>
+            <a:endParaRPr lang="en-US" dirty="0"/>
           </a:p>
         </p:txBody>
       </p:sp>
     </p:spTree>
     <p:extLst>
       <p:ext uri="{BB962C8B-B14F-4D97-AF65-F5344CB8AC3E}">
-        <p14:creationId xmlns:p14="http://schemas.microsoft.com/office/powerpoint/2010/main" val="812456610"/>
+        <p14:creationId xmlns:p14="http://schemas.microsoft.com/office/powerpoint/2010/main" val="3931463113"/>
       </p:ext>
     </p:extLst>
   </p:cSld>
   <p:clrMapOvr>
     <a:masterClrMapping/>
   </p:clrMapOvr>
+  <p:timing>
+    <p:tnLst>
+      <p:par>
+        <p:cTn id="1" dur="indefinite" restart="never" nodeType="tmRoot"/>
+      </p:par>
+    </p:tnLst>
+  </p:timing>
 </p:sld>
 </file>
 
@@ -6394,6 +6529,97 @@
           <a:bodyPr/>
           <a:lstStyle/>
           <a:p>
+            <a:endParaRPr lang="en-US"/>
+          </a:p>
+        </p:txBody>
+      </p:sp>
+      <p:sp>
+        <p:nvSpPr>
+          <p:cNvPr id="3" name="Content Placeholder 2"/>
+          <p:cNvSpPr>
+            <a:spLocks noGrp="1"/>
+          </p:cNvSpPr>
+          <p:nvPr>
+            <p:ph idx="1"/>
+          </p:nvPr>
+        </p:nvSpPr>
+        <p:spPr/>
+        <p:txBody>
+          <a:bodyPr>
+            <a:noAutofit/>
+          </a:bodyPr>
+          <a:lstStyle/>
+          <a:p>
+            <a:r>
+              <a:rPr lang="en-US" sz="3400" dirty="0"/>
+              <a:t>a) Suppose you want exactly 2 vegetarian ingredients and 1 meat ingredient in your omelet.  How many different types of omelets can you order? </a:t>
+            </a:r>
+          </a:p>
+          <a:p>
+            <a:r>
+              <a:rPr lang="en-US" sz="3400" dirty="0"/>
+              <a:t>b) Suppose you can afford at most 3 ingredients in your omelet.  How many different omelets can you order</a:t>
+            </a:r>
+            <a:r>
+              <a:rPr lang="en-US" sz="3400" dirty="0" smtClean="0"/>
+              <a:t>?</a:t>
+            </a:r>
+            <a:endParaRPr lang="en-US" sz="3400" dirty="0"/>
+          </a:p>
+        </p:txBody>
+      </p:sp>
+    </p:spTree>
+    <p:extLst>
+      <p:ext uri="{BB962C8B-B14F-4D97-AF65-F5344CB8AC3E}">
+        <p14:creationId xmlns:p14="http://schemas.microsoft.com/office/powerpoint/2010/main" val="812456610"/>
+      </p:ext>
+    </p:extLst>
+  </p:cSld>
+  <p:clrMapOvr>
+    <a:masterClrMapping/>
+  </p:clrMapOvr>
+  <p:timing>
+    <p:tnLst>
+      <p:par>
+        <p:cTn id="1" dur="indefinite" restart="never" nodeType="tmRoot"/>
+      </p:par>
+    </p:tnLst>
+  </p:timing>
+</p:sld>
+</file>
+
+<file path=ppt/slides/slide24.xml><?xml version="1.0" encoding="utf-8"?>
+<p:sld xmlns:a="http://schemas.openxmlformats.org/drawingml/2006/main" xmlns:r="http://schemas.openxmlformats.org/officeDocument/2006/relationships" xmlns:p="http://schemas.openxmlformats.org/presentationml/2006/main">
+  <p:cSld>
+    <p:spTree>
+      <p:nvGrpSpPr>
+        <p:cNvPr id="1" name=""/>
+        <p:cNvGrpSpPr/>
+        <p:nvPr/>
+      </p:nvGrpSpPr>
+      <p:grpSpPr>
+        <a:xfrm>
+          <a:off x="0" y="0"/>
+          <a:ext cx="0" cy="0"/>
+          <a:chOff x="0" y="0"/>
+          <a:chExt cx="0" cy="0"/>
+        </a:xfrm>
+      </p:grpSpPr>
+      <p:sp>
+        <p:nvSpPr>
+          <p:cNvPr id="2" name="Title 1"/>
+          <p:cNvSpPr>
+            <a:spLocks noGrp="1"/>
+          </p:cNvSpPr>
+          <p:nvPr>
+            <p:ph type="title"/>
+          </p:nvPr>
+        </p:nvSpPr>
+        <p:spPr/>
+        <p:txBody>
+          <a:bodyPr/>
+          <a:lstStyle/>
+          <a:p>
             <a:r>
               <a:rPr lang="en-US" dirty="0" smtClean="0"/>
               <a:t>For Next Time</a:t>
@@ -6460,6 +6686,13 @@
   <p:clrMapOvr>
     <a:masterClrMapping/>
   </p:clrMapOvr>
+  <p:timing>
+    <p:tnLst>
+      <p:par>
+        <p:cTn id="1" dur="indefinite" restart="never" nodeType="tmRoot"/>
+      </p:par>
+    </p:tnLst>
+  </p:timing>
 </p:sld>
 </file>
 
@@ -6532,6 +6765,13 @@
   <p:clrMapOvr>
     <a:masterClrMapping/>
   </p:clrMapOvr>
+  <p:timing>
+    <p:tnLst>
+      <p:par>
+        <p:cTn id="1" dur="indefinite" restart="never" nodeType="tmRoot"/>
+      </p:par>
+    </p:tnLst>
+  </p:timing>
 </p:sld>
 </file>
 
@@ -6616,6 +6856,13 @@
   <p:clrMapOvr>
     <a:masterClrMapping/>
   </p:clrMapOvr>
+  <p:timing>
+    <p:tnLst>
+      <p:par>
+        <p:cTn id="1" dur="indefinite" restart="never" nodeType="tmRoot"/>
+      </p:par>
+    </p:tnLst>
+  </p:timing>
 </p:sld>
 </file>
 
@@ -6708,6 +6955,13 @@
   <p:clrMapOvr>
     <a:masterClrMapping/>
   </p:clrMapOvr>
+  <p:timing>
+    <p:tnLst>
+      <p:par>
+        <p:cTn id="1" dur="indefinite" restart="never" nodeType="tmRoot"/>
+      </p:par>
+    </p:tnLst>
+  </p:timing>
 </p:sld>
 </file>
 
@@ -6835,6 +7089,13 @@
   <p:clrMapOvr>
     <a:masterClrMapping/>
   </p:clrMapOvr>
+  <p:timing>
+    <p:tnLst>
+      <p:par>
+        <p:cTn id="1" dur="indefinite" restart="never" nodeType="tmRoot"/>
+      </p:par>
+    </p:tnLst>
+  </p:timing>
 </p:sld>
 </file>
 
@@ -6963,6 +7224,13 @@
   <p:clrMapOvr>
     <a:masterClrMapping/>
   </p:clrMapOvr>
+  <p:timing>
+    <p:tnLst>
+      <p:par>
+        <p:cTn id="1" dur="indefinite" restart="never" nodeType="tmRoot"/>
+      </p:par>
+    </p:tnLst>
+  </p:timing>
 </p:sld>
 </file>
 
@@ -7098,6 +7366,13 @@
   <p:clrMapOvr>
     <a:masterClrMapping/>
   </p:clrMapOvr>
+  <p:timing>
+    <p:tnLst>
+      <p:par>
+        <p:cTn id="1" dur="indefinite" restart="never" nodeType="tmRoot"/>
+      </p:par>
+    </p:tnLst>
+  </p:timing>
 </p:sld>
 </file>
 
@@ -7233,6 +7508,13 @@
   <p:clrMapOvr>
     <a:masterClrMapping/>
   </p:clrMapOvr>
+  <p:timing>
+    <p:tnLst>
+      <p:par>
+        <p:cTn id="1" dur="indefinite" restart="never" nodeType="tmRoot"/>
+      </p:par>
+    </p:tnLst>
+  </p:timing>
 </p:sld>
 </file>
 

--- a/_PowerPoints/2nd Semester/Unit 6 Probability and Stats/Algebra4_Day_053 11.1 Permutation and Combination.pptx
+++ b/_PowerPoints/2nd Semester/Unit 6 Probability and Stats/Algebra4_Day_053 11.1 Permutation and Combination.pptx
@@ -172,7 +172,7 @@
         </p:nvSpPr>
         <p:spPr>
           <a:xfrm>
-            <a:off x="0" y="1"/>
+            <a:off x="0" y="2"/>
             <a:ext cx="4028440" cy="351737"/>
           </a:xfrm>
           <a:prstGeom prst="rect">
@@ -203,7 +203,7 @@
         </p:nvSpPr>
         <p:spPr>
           <a:xfrm>
-            <a:off x="5265809" y="1"/>
+            <a:off x="5265809" y="2"/>
             <a:ext cx="4028440" cy="351737"/>
           </a:xfrm>
           <a:prstGeom prst="rect">
@@ -220,7 +220,7 @@
           <a:p>
             <a:fld id="{FAC4242D-6570-4D26-878C-5DE8AD62D39F}" type="datetimeFigureOut">
               <a:rPr lang="en-US" smtClean="0"/>
-              <a:t>2/14/2018</a:t>
+              <a:t>2/22/2018</a:t>
             </a:fld>
             <a:endParaRPr lang="en-US"/>
           </a:p>
@@ -473,7 +473,7 @@
             <a:fld id="{87DE6118-2437-4B30-8E3C-4D2BE6020583}" type="datetimeFigureOut">
               <a:rPr lang="en-US" dirty="0"/>
               <a:pPr/>
-              <a:t>2/14/2018</a:t>
+              <a:t>2/22/2018</a:t>
             </a:fld>
             <a:endParaRPr lang="en-US" dirty="0"/>
           </a:p>
@@ -799,7 +799,7 @@
           <a:p>
             <a:fld id="{87DE6118-2437-4B30-8E3C-4D2BE6020583}" type="datetimeFigureOut">
               <a:rPr lang="en-US" dirty="0"/>
-              <a:t>2/14/2018</a:t>
+              <a:t>2/22/2018</a:t>
             </a:fld>
             <a:endParaRPr lang="en-US" dirty="0"/>
           </a:p>
@@ -974,7 +974,7 @@
           <a:p>
             <a:fld id="{87DE6118-2437-4B30-8E3C-4D2BE6020583}" type="datetimeFigureOut">
               <a:rPr lang="en-US" dirty="0"/>
-              <a:t>2/14/2018</a:t>
+              <a:t>2/22/2018</a:t>
             </a:fld>
             <a:endParaRPr lang="en-US" dirty="0"/>
           </a:p>
@@ -1139,7 +1139,7 @@
           <a:p>
             <a:fld id="{87DE6118-2437-4B30-8E3C-4D2BE6020583}" type="datetimeFigureOut">
               <a:rPr lang="en-US" dirty="0"/>
-              <a:t>2/14/2018</a:t>
+              <a:t>2/22/2018</a:t>
             </a:fld>
             <a:endParaRPr lang="en-US" dirty="0"/>
           </a:p>
@@ -1412,7 +1412,7 @@
             <a:fld id="{87DE6118-2437-4B30-8E3C-4D2BE6020583}" type="datetimeFigureOut">
               <a:rPr lang="en-US" dirty="0"/>
               <a:pPr/>
-              <a:t>2/14/2018</a:t>
+              <a:t>2/22/2018</a:t>
             </a:fld>
             <a:endParaRPr lang="en-US" dirty="0"/>
           </a:p>
@@ -1802,7 +1802,7 @@
           <a:p>
             <a:fld id="{87DE6118-2437-4B30-8E3C-4D2BE6020583}" type="datetimeFigureOut">
               <a:rPr lang="en-US" dirty="0"/>
-              <a:t>2/14/2018</a:t>
+              <a:t>2/22/2018</a:t>
             </a:fld>
             <a:endParaRPr lang="en-US" dirty="0"/>
           </a:p>
@@ -2274,7 +2274,7 @@
           <a:p>
             <a:fld id="{87DE6118-2437-4B30-8E3C-4D2BE6020583}" type="datetimeFigureOut">
               <a:rPr lang="en-US" dirty="0"/>
-              <a:t>2/14/2018</a:t>
+              <a:t>2/22/2018</a:t>
             </a:fld>
             <a:endParaRPr lang="en-US" dirty="0"/>
           </a:p>
@@ -2387,7 +2387,7 @@
           <a:p>
             <a:fld id="{87DE6118-2437-4B30-8E3C-4D2BE6020583}" type="datetimeFigureOut">
               <a:rPr lang="en-US" dirty="0"/>
-              <a:t>2/14/2018</a:t>
+              <a:t>2/22/2018</a:t>
             </a:fld>
             <a:endParaRPr lang="en-US" dirty="0"/>
           </a:p>
@@ -2477,7 +2477,7 @@
           <a:p>
             <a:fld id="{87DE6118-2437-4B30-8E3C-4D2BE6020583}" type="datetimeFigureOut">
               <a:rPr lang="en-US" dirty="0"/>
-              <a:t>2/14/2018</a:t>
+              <a:t>2/22/2018</a:t>
             </a:fld>
             <a:endParaRPr lang="en-US" dirty="0"/>
           </a:p>
@@ -2819,7 +2819,7 @@
             <a:fld id="{87DE6118-2437-4B30-8E3C-4D2BE6020583}" type="datetimeFigureOut">
               <a:rPr lang="en-US" dirty="0"/>
               <a:pPr/>
-              <a:t>2/14/2018</a:t>
+              <a:t>2/22/2018</a:t>
             </a:fld>
             <a:endParaRPr lang="en-US" dirty="0"/>
           </a:p>
@@ -3204,7 +3204,7 @@
             <a:fld id="{87DE6118-2437-4B30-8E3C-4D2BE6020583}" type="datetimeFigureOut">
               <a:rPr lang="en-US" dirty="0"/>
               <a:pPr/>
-              <a:t>2/14/2018</a:t>
+              <a:t>2/22/2018</a:t>
             </a:fld>
             <a:endParaRPr lang="en-US" dirty="0"/>
           </a:p>
@@ -3479,7 +3479,7 @@
             <a:fld id="{87DE6118-2437-4B30-8E3C-4D2BE6020583}" type="datetimeFigureOut">
               <a:rPr lang="en-US" dirty="0"/>
               <a:pPr/>
-              <a:t>2/14/2018</a:t>
+              <a:t>2/22/2018</a:t>
             </a:fld>
             <a:endParaRPr lang="en-US" dirty="0"/>
           </a:p>
@@ -4980,7 +4980,7 @@
           <a:graphicData uri="http://schemas.openxmlformats.org/presentationml/2006/ole">
             <mc:AlternateContent xmlns:mc="http://schemas.openxmlformats.org/markup-compatibility/2006">
               <mc:Choice xmlns:v="urn:schemas-microsoft-com:vml" Requires="v">
-                <p:oleObj spid="_x0000_s1031" r:id="rId3" imgW="889000" imgH="431800" progId="Equation.3">
+                <p:oleObj spid="_x0000_s1032" r:id="rId3" imgW="889000" imgH="431800" progId="Equation.3">
                   <p:embed/>
                 </p:oleObj>
               </mc:Choice>
@@ -5371,7 +5371,7 @@
           <a:graphicData uri="http://schemas.openxmlformats.org/presentationml/2006/ole">
             <mc:AlternateContent xmlns:mc="http://schemas.openxmlformats.org/markup-compatibility/2006">
               <mc:Choice xmlns:v="urn:schemas-microsoft-com:vml" Requires="v">
-                <p:oleObj spid="_x0000_s2055" name="Equation" r:id="rId3" imgW="863622" imgH="432009" progId="Equation.3">
+                <p:oleObj spid="_x0000_s2056" name="Equation" r:id="rId3" imgW="863622" imgH="432009" progId="Equation.3">
                   <p:embed/>
                 </p:oleObj>
               </mc:Choice>
@@ -5754,7 +5754,7 @@
           <a:graphicData uri="http://schemas.openxmlformats.org/presentationml/2006/ole">
             <mc:AlternateContent xmlns:mc="http://schemas.openxmlformats.org/markup-compatibility/2006">
               <mc:Choice xmlns:v="urn:schemas-microsoft-com:vml" Requires="v">
-                <p:oleObj spid="_x0000_s3078" r:id="rId3" imgW="1066800" imgH="431800" progId="Equation.3">
+                <p:oleObj spid="_x0000_s3079" r:id="rId3" imgW="1066800" imgH="431800" progId="Equation.3">
                   <p:embed/>
                 </p:oleObj>
               </mc:Choice>
